--- a/doc/角色识别系统.pptx
+++ b/doc/角色识别系统.pptx
@@ -205,7 +205,7 @@
           <a:p>
             <a:fld id="{CC0CB379-C786-4D4F-8CE6-921D67D38892}" type="datetimeFigureOut">
               <a:rPr lang="zh-CN" altLang="en-US" smtClean="0"/>
-              <a:t>2019/8/14</a:t>
+              <a:t>2019/8/23</a:t>
             </a:fld>
             <a:endParaRPr lang="zh-CN" altLang="en-US"/>
           </a:p>
@@ -1288,7 +1288,7 @@
           <a:p>
             <a:fld id="{1E69615A-23D1-4426-B4A2-A2849F9EEA58}" type="datetimeFigureOut">
               <a:rPr lang="zh-CN" altLang="en-US" smtClean="0"/>
-              <a:t>2019/8/14</a:t>
+              <a:t>2019/8/23</a:t>
             </a:fld>
             <a:endParaRPr lang="zh-CN" altLang="en-US"/>
           </a:p>
@@ -1458,7 +1458,7 @@
           <a:p>
             <a:fld id="{1E69615A-23D1-4426-B4A2-A2849F9EEA58}" type="datetimeFigureOut">
               <a:rPr lang="zh-CN" altLang="en-US" smtClean="0"/>
-              <a:t>2019/8/14</a:t>
+              <a:t>2019/8/23</a:t>
             </a:fld>
             <a:endParaRPr lang="zh-CN" altLang="en-US"/>
           </a:p>
@@ -1638,7 +1638,7 @@
           <a:p>
             <a:fld id="{1E69615A-23D1-4426-B4A2-A2849F9EEA58}" type="datetimeFigureOut">
               <a:rPr lang="zh-CN" altLang="en-US" smtClean="0"/>
-              <a:t>2019/8/14</a:t>
+              <a:t>2019/8/23</a:t>
             </a:fld>
             <a:endParaRPr lang="zh-CN" altLang="en-US"/>
           </a:p>
@@ -1808,7 +1808,7 @@
           <a:p>
             <a:fld id="{1E69615A-23D1-4426-B4A2-A2849F9EEA58}" type="datetimeFigureOut">
               <a:rPr lang="zh-CN" altLang="en-US" smtClean="0"/>
-              <a:t>2019/8/14</a:t>
+              <a:t>2019/8/23</a:t>
             </a:fld>
             <a:endParaRPr lang="zh-CN" altLang="en-US"/>
           </a:p>
@@ -2054,7 +2054,7 @@
           <a:p>
             <a:fld id="{1E69615A-23D1-4426-B4A2-A2849F9EEA58}" type="datetimeFigureOut">
               <a:rPr lang="zh-CN" altLang="en-US" smtClean="0"/>
-              <a:t>2019/8/14</a:t>
+              <a:t>2019/8/23</a:t>
             </a:fld>
             <a:endParaRPr lang="zh-CN" altLang="en-US"/>
           </a:p>
@@ -2286,7 +2286,7 @@
           <a:p>
             <a:fld id="{1E69615A-23D1-4426-B4A2-A2849F9EEA58}" type="datetimeFigureOut">
               <a:rPr lang="zh-CN" altLang="en-US" smtClean="0"/>
-              <a:t>2019/8/14</a:t>
+              <a:t>2019/8/23</a:t>
             </a:fld>
             <a:endParaRPr lang="zh-CN" altLang="en-US"/>
           </a:p>
@@ -2653,7 +2653,7 @@
           <a:p>
             <a:fld id="{1E69615A-23D1-4426-B4A2-A2849F9EEA58}" type="datetimeFigureOut">
               <a:rPr lang="zh-CN" altLang="en-US" smtClean="0"/>
-              <a:t>2019/8/14</a:t>
+              <a:t>2019/8/23</a:t>
             </a:fld>
             <a:endParaRPr lang="zh-CN" altLang="en-US"/>
           </a:p>
@@ -2771,7 +2771,7 @@
           <a:p>
             <a:fld id="{1E69615A-23D1-4426-B4A2-A2849F9EEA58}" type="datetimeFigureOut">
               <a:rPr lang="zh-CN" altLang="en-US" smtClean="0"/>
-              <a:t>2019/8/14</a:t>
+              <a:t>2019/8/23</a:t>
             </a:fld>
             <a:endParaRPr lang="zh-CN" altLang="en-US"/>
           </a:p>
@@ -2866,7 +2866,7 @@
           <a:p>
             <a:fld id="{1E69615A-23D1-4426-B4A2-A2849F9EEA58}" type="datetimeFigureOut">
               <a:rPr lang="zh-CN" altLang="en-US" smtClean="0"/>
-              <a:t>2019/8/14</a:t>
+              <a:t>2019/8/23</a:t>
             </a:fld>
             <a:endParaRPr lang="zh-CN" altLang="en-US"/>
           </a:p>
@@ -3143,7 +3143,7 @@
           <a:p>
             <a:fld id="{1E69615A-23D1-4426-B4A2-A2849F9EEA58}" type="datetimeFigureOut">
               <a:rPr lang="zh-CN" altLang="en-US" smtClean="0"/>
-              <a:t>2019/8/14</a:t>
+              <a:t>2019/8/23</a:t>
             </a:fld>
             <a:endParaRPr lang="zh-CN" altLang="en-US"/>
           </a:p>
@@ -3396,7 +3396,7 @@
           <a:p>
             <a:fld id="{1E69615A-23D1-4426-B4A2-A2849F9EEA58}" type="datetimeFigureOut">
               <a:rPr lang="zh-CN" altLang="en-US" smtClean="0"/>
-              <a:t>2019/8/14</a:t>
+              <a:t>2019/8/23</a:t>
             </a:fld>
             <a:endParaRPr lang="zh-CN" altLang="en-US"/>
           </a:p>
@@ -3609,7 +3609,7 @@
           <a:p>
             <a:fld id="{1E69615A-23D1-4426-B4A2-A2849F9EEA58}" type="datetimeFigureOut">
               <a:rPr lang="zh-CN" altLang="en-US" smtClean="0"/>
-              <a:t>2019/8/14</a:t>
+              <a:t>2019/8/23</a:t>
             </a:fld>
             <a:endParaRPr lang="zh-CN" altLang="en-US"/>
           </a:p>

--- a/doc/角色识别系统.pptx
+++ b/doc/角色识别系统.pptx
@@ -5,7 +5,7 @@
     <p:sldMasterId id="2147483648" r:id="rId1"/>
   </p:sldMasterIdLst>
   <p:notesMasterIdLst>
-    <p:notesMasterId r:id="rId11"/>
+    <p:notesMasterId r:id="rId12"/>
   </p:notesMasterIdLst>
   <p:sldIdLst>
     <p:sldId id="257" r:id="rId2"/>
@@ -17,6 +17,7 @@
     <p:sldId id="262" r:id="rId8"/>
     <p:sldId id="263" r:id="rId9"/>
     <p:sldId id="264" r:id="rId10"/>
+    <p:sldId id="265" r:id="rId11"/>
   </p:sldIdLst>
   <p:sldSz cx="12192000" cy="6858000"/>
   <p:notesSz cx="6858000" cy="9144000"/>
@@ -205,7 +206,7 @@
           <a:p>
             <a:fld id="{CC0CB379-C786-4D4F-8CE6-921D67D38892}" type="datetimeFigureOut">
               <a:rPr lang="zh-CN" altLang="en-US" smtClean="0"/>
-              <a:t>2019/8/23</a:t>
+              <a:t>2019/8/28</a:t>
             </a:fld>
             <a:endParaRPr lang="zh-CN" altLang="en-US"/>
           </a:p>
@@ -1288,7 +1289,7 @@
           <a:p>
             <a:fld id="{1E69615A-23D1-4426-B4A2-A2849F9EEA58}" type="datetimeFigureOut">
               <a:rPr lang="zh-CN" altLang="en-US" smtClean="0"/>
-              <a:t>2019/8/23</a:t>
+              <a:t>2019/8/28</a:t>
             </a:fld>
             <a:endParaRPr lang="zh-CN" altLang="en-US"/>
           </a:p>
@@ -1458,7 +1459,7 @@
           <a:p>
             <a:fld id="{1E69615A-23D1-4426-B4A2-A2849F9EEA58}" type="datetimeFigureOut">
               <a:rPr lang="zh-CN" altLang="en-US" smtClean="0"/>
-              <a:t>2019/8/23</a:t>
+              <a:t>2019/8/28</a:t>
             </a:fld>
             <a:endParaRPr lang="zh-CN" altLang="en-US"/>
           </a:p>
@@ -1638,7 +1639,7 @@
           <a:p>
             <a:fld id="{1E69615A-23D1-4426-B4A2-A2849F9EEA58}" type="datetimeFigureOut">
               <a:rPr lang="zh-CN" altLang="en-US" smtClean="0"/>
-              <a:t>2019/8/23</a:t>
+              <a:t>2019/8/28</a:t>
             </a:fld>
             <a:endParaRPr lang="zh-CN" altLang="en-US"/>
           </a:p>
@@ -1808,7 +1809,7 @@
           <a:p>
             <a:fld id="{1E69615A-23D1-4426-B4A2-A2849F9EEA58}" type="datetimeFigureOut">
               <a:rPr lang="zh-CN" altLang="en-US" smtClean="0"/>
-              <a:t>2019/8/23</a:t>
+              <a:t>2019/8/28</a:t>
             </a:fld>
             <a:endParaRPr lang="zh-CN" altLang="en-US"/>
           </a:p>
@@ -2054,7 +2055,7 @@
           <a:p>
             <a:fld id="{1E69615A-23D1-4426-B4A2-A2849F9EEA58}" type="datetimeFigureOut">
               <a:rPr lang="zh-CN" altLang="en-US" smtClean="0"/>
-              <a:t>2019/8/23</a:t>
+              <a:t>2019/8/28</a:t>
             </a:fld>
             <a:endParaRPr lang="zh-CN" altLang="en-US"/>
           </a:p>
@@ -2286,7 +2287,7 @@
           <a:p>
             <a:fld id="{1E69615A-23D1-4426-B4A2-A2849F9EEA58}" type="datetimeFigureOut">
               <a:rPr lang="zh-CN" altLang="en-US" smtClean="0"/>
-              <a:t>2019/8/23</a:t>
+              <a:t>2019/8/28</a:t>
             </a:fld>
             <a:endParaRPr lang="zh-CN" altLang="en-US"/>
           </a:p>
@@ -2653,7 +2654,7 @@
           <a:p>
             <a:fld id="{1E69615A-23D1-4426-B4A2-A2849F9EEA58}" type="datetimeFigureOut">
               <a:rPr lang="zh-CN" altLang="en-US" smtClean="0"/>
-              <a:t>2019/8/23</a:t>
+              <a:t>2019/8/28</a:t>
             </a:fld>
             <a:endParaRPr lang="zh-CN" altLang="en-US"/>
           </a:p>
@@ -2771,7 +2772,7 @@
           <a:p>
             <a:fld id="{1E69615A-23D1-4426-B4A2-A2849F9EEA58}" type="datetimeFigureOut">
               <a:rPr lang="zh-CN" altLang="en-US" smtClean="0"/>
-              <a:t>2019/8/23</a:t>
+              <a:t>2019/8/28</a:t>
             </a:fld>
             <a:endParaRPr lang="zh-CN" altLang="en-US"/>
           </a:p>
@@ -2866,7 +2867,7 @@
           <a:p>
             <a:fld id="{1E69615A-23D1-4426-B4A2-A2849F9EEA58}" type="datetimeFigureOut">
               <a:rPr lang="zh-CN" altLang="en-US" smtClean="0"/>
-              <a:t>2019/8/23</a:t>
+              <a:t>2019/8/28</a:t>
             </a:fld>
             <a:endParaRPr lang="zh-CN" altLang="en-US"/>
           </a:p>
@@ -3143,7 +3144,7 @@
           <a:p>
             <a:fld id="{1E69615A-23D1-4426-B4A2-A2849F9EEA58}" type="datetimeFigureOut">
               <a:rPr lang="zh-CN" altLang="en-US" smtClean="0"/>
-              <a:t>2019/8/23</a:t>
+              <a:t>2019/8/28</a:t>
             </a:fld>
             <a:endParaRPr lang="zh-CN" altLang="en-US"/>
           </a:p>
@@ -3396,7 +3397,7 @@
           <a:p>
             <a:fld id="{1E69615A-23D1-4426-B4A2-A2849F9EEA58}" type="datetimeFigureOut">
               <a:rPr lang="zh-CN" altLang="en-US" smtClean="0"/>
-              <a:t>2019/8/23</a:t>
+              <a:t>2019/8/28</a:t>
             </a:fld>
             <a:endParaRPr lang="zh-CN" altLang="en-US"/>
           </a:p>
@@ -3609,7 +3610,7 @@
           <a:p>
             <a:fld id="{1E69615A-23D1-4426-B4A2-A2849F9EEA58}" type="datetimeFigureOut">
               <a:rPr lang="zh-CN" altLang="en-US" smtClean="0"/>
-              <a:t>2019/8/23</a:t>
+              <a:t>2019/8/28</a:t>
             </a:fld>
             <a:endParaRPr lang="zh-CN" altLang="en-US"/>
           </a:p>
@@ -4064,6 +4065,285 @@
     <p:extLst>
       <p:ext uri="{BB962C8B-B14F-4D97-AF65-F5344CB8AC3E}">
         <p14:creationId xmlns:p14="http://schemas.microsoft.com/office/powerpoint/2010/main" val="4166320350"/>
+      </p:ext>
+    </p:extLst>
+  </p:cSld>
+  <p:clrMapOvr>
+    <a:masterClrMapping/>
+  </p:clrMapOvr>
+</p:sld>
+</file>
+
+<file path=ppt/slides/slide10.xml><?xml version="1.0" encoding="utf-8"?>
+<p:sld xmlns:a="http://schemas.openxmlformats.org/drawingml/2006/main" xmlns:r="http://schemas.openxmlformats.org/officeDocument/2006/relationships" xmlns:p="http://schemas.openxmlformats.org/presentationml/2006/main">
+  <p:cSld>
+    <p:spTree>
+      <p:nvGrpSpPr>
+        <p:cNvPr id="1" name=""/>
+        <p:cNvGrpSpPr/>
+        <p:nvPr/>
+      </p:nvGrpSpPr>
+      <p:grpSpPr>
+        <a:xfrm>
+          <a:off x="0" y="0"/>
+          <a:ext cx="0" cy="0"/>
+          <a:chOff x="0" y="0"/>
+          <a:chExt cx="0" cy="0"/>
+        </a:xfrm>
+      </p:grpSpPr>
+      <p:sp>
+        <p:nvSpPr>
+          <p:cNvPr id="4" name="标题 3"/>
+          <p:cNvSpPr>
+            <a:spLocks noGrp="1"/>
+          </p:cNvSpPr>
+          <p:nvPr>
+            <p:ph type="title"/>
+          </p:nvPr>
+        </p:nvSpPr>
+        <p:spPr/>
+        <p:txBody>
+          <a:bodyPr/>
+          <a:lstStyle/>
+          <a:p>
+            <a:r>
+              <a:rPr kumimoji="1" lang="zh-CN" altLang="en-US" dirty="0" smtClean="0"/>
+              <a:t>系统框架模型</a:t>
+            </a:r>
+            <a:endParaRPr kumimoji="1" lang="zh-CN" altLang="en-US" dirty="0"/>
+          </a:p>
+        </p:txBody>
+      </p:sp>
+      <p:sp>
+        <p:nvSpPr>
+          <p:cNvPr id="5" name="矩形 4"/>
+          <p:cNvSpPr/>
+          <p:nvPr/>
+        </p:nvSpPr>
+        <p:spPr>
+          <a:xfrm>
+            <a:off x="2790496" y="2112579"/>
+            <a:ext cx="3200400" cy="1040523"/>
+          </a:xfrm>
+          <a:prstGeom prst="rect">
+            <a:avLst/>
+          </a:prstGeom>
+        </p:spPr>
+        <p:style>
+          <a:lnRef idx="2">
+            <a:schemeClr val="dk1"/>
+          </a:lnRef>
+          <a:fillRef idx="1">
+            <a:schemeClr val="lt1"/>
+          </a:fillRef>
+          <a:effectRef idx="0">
+            <a:schemeClr val="dk1"/>
+          </a:effectRef>
+          <a:fontRef idx="minor">
+            <a:schemeClr val="dk1"/>
+          </a:fontRef>
+        </p:style>
+        <p:txBody>
+          <a:bodyPr rtlCol="0" anchor="ctr"/>
+          <a:lstStyle/>
+          <a:p>
+            <a:r>
+              <a:rPr kumimoji="1" lang="en-US" altLang="zh-CN" dirty="0" smtClean="0"/>
+              <a:t>1.</a:t>
+            </a:r>
+            <a:r>
+              <a:rPr kumimoji="1" lang="zh-CN" altLang="en-US" dirty="0" smtClean="0"/>
+              <a:t> </a:t>
+            </a:r>
+            <a:r>
+              <a:rPr kumimoji="1" lang="en-US" altLang="zh-CN" dirty="0" smtClean="0"/>
+              <a:t>mention</a:t>
+            </a:r>
+            <a:r>
+              <a:rPr kumimoji="1" lang="zh-CN" altLang="en-US" dirty="0" smtClean="0"/>
+              <a:t>，</a:t>
+            </a:r>
+            <a:r>
+              <a:rPr kumimoji="1" lang="en-US" altLang="zh-CN" dirty="0" smtClean="0"/>
+              <a:t>mentions</a:t>
+            </a:r>
+            <a:r>
+              <a:rPr kumimoji="1" lang="zh-CN" altLang="en-US" dirty="0" smtClean="0"/>
+              <a:t>对，</a:t>
+            </a:r>
+            <a:r>
+              <a:rPr kumimoji="1" lang="en-US" altLang="zh-CN" dirty="0" smtClean="0"/>
+              <a:t>mentions</a:t>
+            </a:r>
+            <a:r>
+              <a:rPr kumimoji="1" lang="zh-CN" altLang="en-US" dirty="0" smtClean="0"/>
+              <a:t>簇的嵌入表示</a:t>
+            </a:r>
+            <a:endParaRPr kumimoji="1" lang="en-US" altLang="zh-CN" dirty="0" smtClean="0"/>
+          </a:p>
+          <a:p>
+            <a:r>
+              <a:rPr kumimoji="1" lang="en-US" altLang="zh-CN" dirty="0" smtClean="0"/>
+              <a:t>2.</a:t>
+            </a:r>
+            <a:r>
+              <a:rPr kumimoji="1" lang="zh-CN" altLang="en-US" dirty="0" smtClean="0"/>
+              <a:t>共指消解</a:t>
+            </a:r>
+            <a:endParaRPr kumimoji="1" lang="zh-CN" altLang="en-US" dirty="0"/>
+          </a:p>
+        </p:txBody>
+      </p:sp>
+      <p:sp>
+        <p:nvSpPr>
+          <p:cNvPr id="6" name="矩形 5"/>
+          <p:cNvSpPr/>
+          <p:nvPr/>
+        </p:nvSpPr>
+        <p:spPr>
+          <a:xfrm>
+            <a:off x="7041930" y="2112580"/>
+            <a:ext cx="1639615" cy="1040523"/>
+          </a:xfrm>
+          <a:prstGeom prst="rect">
+            <a:avLst/>
+          </a:prstGeom>
+        </p:spPr>
+        <p:style>
+          <a:lnRef idx="2">
+            <a:schemeClr val="dk1"/>
+          </a:lnRef>
+          <a:fillRef idx="1">
+            <a:schemeClr val="lt1"/>
+          </a:fillRef>
+          <a:effectRef idx="0">
+            <a:schemeClr val="dk1"/>
+          </a:effectRef>
+          <a:fontRef idx="minor">
+            <a:schemeClr val="dk1"/>
+          </a:fontRef>
+        </p:style>
+        <p:txBody>
+          <a:bodyPr rtlCol="0" anchor="ctr"/>
+          <a:lstStyle/>
+          <a:p>
+            <a:pPr algn="ctr"/>
+            <a:r>
+              <a:rPr kumimoji="1" lang="zh-CN" altLang="en-US" dirty="0" smtClean="0"/>
+              <a:t>实体关系识别</a:t>
+            </a:r>
+            <a:endParaRPr kumimoji="1" lang="zh-CN" altLang="en-US" dirty="0"/>
+          </a:p>
+        </p:txBody>
+      </p:sp>
+      <p:cxnSp>
+        <p:nvCxnSpPr>
+          <p:cNvPr id="9" name="直线箭头连接符 8"/>
+          <p:cNvCxnSpPr>
+            <a:stCxn id="5" idx="3"/>
+            <a:endCxn id="6" idx="1"/>
+          </p:cNvCxnSpPr>
+          <p:nvPr/>
+        </p:nvCxnSpPr>
+        <p:spPr>
+          <a:xfrm>
+            <a:off x="5990896" y="2632841"/>
+            <a:ext cx="1051034" cy="1"/>
+          </a:xfrm>
+          <a:prstGeom prst="straightConnector1">
+            <a:avLst/>
+          </a:prstGeom>
+          <a:ln>
+            <a:tailEnd type="triangle"/>
+          </a:ln>
+        </p:spPr>
+        <p:style>
+          <a:lnRef idx="3">
+            <a:schemeClr val="dk1"/>
+          </a:lnRef>
+          <a:fillRef idx="0">
+            <a:schemeClr val="dk1"/>
+          </a:fillRef>
+          <a:effectRef idx="2">
+            <a:schemeClr val="dk1"/>
+          </a:effectRef>
+          <a:fontRef idx="minor">
+            <a:schemeClr val="tx1"/>
+          </a:fontRef>
+        </p:style>
+      </p:cxnSp>
+      <p:sp>
+        <p:nvSpPr>
+          <p:cNvPr id="11" name="文本框 10"/>
+          <p:cNvSpPr txBox="1"/>
+          <p:nvPr/>
+        </p:nvSpPr>
+        <p:spPr>
+          <a:xfrm>
+            <a:off x="3805439" y="3590759"/>
+            <a:ext cx="1170513" cy="369332"/>
+          </a:xfrm>
+          <a:prstGeom prst="rect">
+            <a:avLst/>
+          </a:prstGeom>
+          <a:noFill/>
+        </p:spPr>
+        <p:txBody>
+          <a:bodyPr wrap="none" rtlCol="0">
+            <a:spAutoFit/>
+          </a:bodyPr>
+          <a:lstStyle/>
+          <a:p>
+            <a:r>
+              <a:rPr kumimoji="1" lang="en-US" altLang="zh-CN" dirty="0" smtClean="0"/>
+              <a:t>ACCN</a:t>
+            </a:r>
+            <a:r>
+              <a:rPr kumimoji="1" lang="zh-CN" altLang="en-US" dirty="0" smtClean="0"/>
+              <a:t>模型</a:t>
+            </a:r>
+            <a:endParaRPr kumimoji="1" lang="zh-CN" altLang="en-US" dirty="0"/>
+          </a:p>
+        </p:txBody>
+      </p:sp>
+      <p:sp>
+        <p:nvSpPr>
+          <p:cNvPr id="12" name="文本框 11"/>
+          <p:cNvSpPr txBox="1"/>
+          <p:nvPr/>
+        </p:nvSpPr>
+        <p:spPr>
+          <a:xfrm>
+            <a:off x="7329379" y="3590759"/>
+            <a:ext cx="1064715" cy="369332"/>
+          </a:xfrm>
+          <a:prstGeom prst="rect">
+            <a:avLst/>
+          </a:prstGeom>
+          <a:noFill/>
+        </p:spPr>
+        <p:txBody>
+          <a:bodyPr wrap="none" rtlCol="0">
+            <a:spAutoFit/>
+          </a:bodyPr>
+          <a:lstStyle/>
+          <a:p>
+            <a:r>
+              <a:rPr kumimoji="1" lang="en-US" altLang="zh-CN" dirty="0" smtClean="0"/>
+              <a:t>CNN</a:t>
+            </a:r>
+            <a:r>
+              <a:rPr kumimoji="1" lang="zh-CN" altLang="en-US" dirty="0" smtClean="0"/>
+              <a:t>模型</a:t>
+            </a:r>
+            <a:endParaRPr kumimoji="1" lang="zh-CN" altLang="en-US" dirty="0"/>
+          </a:p>
+        </p:txBody>
+      </p:sp>
+    </p:spTree>
+    <p:extLst>
+      <p:ext uri="{BB962C8B-B14F-4D97-AF65-F5344CB8AC3E}">
+        <p14:creationId xmlns:p14="http://schemas.microsoft.com/office/powerpoint/2010/main" val="568980501"/>
       </p:ext>
     </p:extLst>
   </p:cSld>
